--- a/P5/monitoria/enid/enid1.pptx
+++ b/P5/monitoria/enid/enid1.pptx
@@ -71,7 +71,7 @@
         <p:txBody>
           <a:bodyPr/>
           <a:p>
-            <a:fld id="{64AE99DC-6C2D-4047-8A1B-C67385408A3A}" type="slidenum">
+            <a:fld id="{A5417C24-46E4-4E78-84C0-07154C2709CB}" type="slidenum">
               <a:t>&lt;#&gt;</a:t>
             </a:fld>
           </a:p>
@@ -259,7 +259,7 @@
         <p:txBody>
           <a:bodyPr/>
           <a:p>
-            <a:fld id="{7D4CAD0E-457D-4488-983B-DFEB891D85F2}" type="slidenum">
+            <a:fld id="{BE62443B-B542-484F-AB22-56571535490E}" type="slidenum">
               <a:t>&lt;#&gt;</a:t>
             </a:fld>
           </a:p>
@@ -515,7 +515,7 @@
         <p:txBody>
           <a:bodyPr/>
           <a:p>
-            <a:fld id="{01963383-CC8D-441D-B51B-8E3FE7463E95}" type="slidenum">
+            <a:fld id="{BB4A9CD4-54E1-41ED-89FC-F538AD9035D0}" type="slidenum">
               <a:t>&lt;#&gt;</a:t>
             </a:fld>
           </a:p>
@@ -839,7 +839,7 @@
         <p:txBody>
           <a:bodyPr/>
           <a:p>
-            <a:fld id="{B341E1B6-4626-41BF-879C-5E6AEA5CD179}" type="slidenum">
+            <a:fld id="{CDA42021-4DDF-40A2-8A55-235825F98D3E}" type="slidenum">
               <a:t>&lt;#&gt;</a:t>
             </a:fld>
           </a:p>
@@ -922,7 +922,7 @@
         <p:txBody>
           <a:bodyPr/>
           <a:p>
-            <a:fld id="{17DCE305-DAF1-44B2-B604-CF1B2CF44B5C}" type="slidenum">
+            <a:fld id="{9AA9D296-E497-4B7C-A381-3351AE1547E3}" type="slidenum">
               <a:t>&lt;#&gt;</a:t>
             </a:fld>
           </a:p>
@@ -1079,7 +1079,7 @@
         <p:txBody>
           <a:bodyPr/>
           <a:p>
-            <a:fld id="{0F9A713D-6682-4BEC-9492-8537715058CC}" type="slidenum">
+            <a:fld id="{EC4C95A3-3C19-4AA8-90DA-C0D2A9661C67}" type="slidenum">
               <a:t>&lt;#&gt;</a:t>
             </a:fld>
           </a:p>
@@ -1233,7 +1233,7 @@
         <p:txBody>
           <a:bodyPr/>
           <a:p>
-            <a:fld id="{7C16ABDD-A618-4CF7-9792-63EC9FAE49A6}" type="slidenum">
+            <a:fld id="{89323F14-6C66-46BA-998F-91D6D7727BAE}" type="slidenum">
               <a:t>&lt;#&gt;</a:t>
             </a:fld>
           </a:p>
@@ -1421,7 +1421,7 @@
         <p:txBody>
           <a:bodyPr/>
           <a:p>
-            <a:fld id="{227F561C-B703-442F-8100-3D7914F2C7B5}" type="slidenum">
+            <a:fld id="{156C2365-423A-4F25-84B4-1EE7D4067C35}" type="slidenum">
               <a:t>&lt;#&gt;</a:t>
             </a:fld>
           </a:p>
@@ -1541,7 +1541,7 @@
         <p:txBody>
           <a:bodyPr/>
           <a:p>
-            <a:fld id="{E5470A8C-C491-43E7-8971-6E56DF0A9193}" type="slidenum">
+            <a:fld id="{AE4BEDE8-9355-44F1-B747-23D2838E8D05}" type="slidenum">
               <a:t>&lt;#&gt;</a:t>
             </a:fld>
           </a:p>
@@ -1661,7 +1661,7 @@
         <p:txBody>
           <a:bodyPr/>
           <a:p>
-            <a:fld id="{DA69FBB3-FE6D-4247-86E5-21FFED3F3732}" type="slidenum">
+            <a:fld id="{06AD2542-759A-4A22-B1C4-6DD4151DB3D4}" type="slidenum">
               <a:t>&lt;#&gt;</a:t>
             </a:fld>
           </a:p>
@@ -1883,7 +1883,7 @@
         <p:txBody>
           <a:bodyPr/>
           <a:p>
-            <a:fld id="{D590672C-6AB6-47A4-9538-6C8E90AAF6BB}" type="slidenum">
+            <a:fld id="{A024E2E4-5CA7-41E7-B855-C75651AC165B}" type="slidenum">
               <a:t>&lt;#&gt;</a:t>
             </a:fld>
           </a:p>
@@ -2040,7 +2040,7 @@
         <p:txBody>
           <a:bodyPr/>
           <a:p>
-            <a:fld id="{362FE3DF-92FA-483A-83AE-6DDDF37ECCEA}" type="slidenum">
+            <a:fld id="{2ABB09C1-F904-4649-837C-DF481C5C6651}" type="slidenum">
               <a:t>&lt;#&gt;</a:t>
             </a:fld>
           </a:p>
@@ -2262,7 +2262,7 @@
         <p:txBody>
           <a:bodyPr/>
           <a:p>
-            <a:fld id="{66DE6AAF-925F-4B8D-AD35-C2AF03A65F95}" type="slidenum">
+            <a:fld id="{7A433FC0-F033-4C66-B64B-2EEADE98EF9A}" type="slidenum">
               <a:t>&lt;#&gt;</a:t>
             </a:fld>
           </a:p>
@@ -2484,7 +2484,7 @@
         <p:txBody>
           <a:bodyPr/>
           <a:p>
-            <a:fld id="{22C29B6F-B074-4702-98BC-7226371F55E3}" type="slidenum">
+            <a:fld id="{BDB67D64-029C-4807-90B5-A31CF238365A}" type="slidenum">
               <a:t>&lt;#&gt;</a:t>
             </a:fld>
           </a:p>
@@ -2672,7 +2672,7 @@
         <p:txBody>
           <a:bodyPr/>
           <a:p>
-            <a:fld id="{4E7B1D1F-2F2B-4E42-9D15-0180ECA7A475}" type="slidenum">
+            <a:fld id="{F699AC22-730B-45E6-B041-22CE04FD25D4}" type="slidenum">
               <a:t>&lt;#&gt;</a:t>
             </a:fld>
           </a:p>
@@ -2928,7 +2928,7 @@
         <p:txBody>
           <a:bodyPr/>
           <a:p>
-            <a:fld id="{63A261B0-C53F-41F5-A9AC-9CDA7E118AED}" type="slidenum">
+            <a:fld id="{5134A408-2B78-4925-B573-D2A85751C936}" type="slidenum">
               <a:t>&lt;#&gt;</a:t>
             </a:fld>
           </a:p>
@@ -3252,7 +3252,7 @@
         <p:txBody>
           <a:bodyPr/>
           <a:p>
-            <a:fld id="{EC0243A6-EF3D-48B9-ACD7-FB8048D03474}" type="slidenum">
+            <a:fld id="{A71ECB89-9129-4808-8B77-1492E8956FF5}" type="slidenum">
               <a:t>&lt;#&gt;</a:t>
             </a:fld>
           </a:p>
@@ -3335,7 +3335,7 @@
         <p:txBody>
           <a:bodyPr/>
           <a:p>
-            <a:fld id="{68838067-B3D2-4CF5-BFB3-C1A7B0D61481}" type="slidenum">
+            <a:fld id="{34E02CB4-43E5-4830-9FD8-65ED16660782}" type="slidenum">
               <a:t>&lt;#&gt;</a:t>
             </a:fld>
           </a:p>
@@ -3492,7 +3492,7 @@
         <p:txBody>
           <a:bodyPr/>
           <a:p>
-            <a:fld id="{4A281CA9-F8E3-489B-B7D0-3308733A74BA}" type="slidenum">
+            <a:fld id="{41A0FA71-A8A4-41A5-9D45-DC20130A56F5}" type="slidenum">
               <a:t>&lt;#&gt;</a:t>
             </a:fld>
           </a:p>
@@ -3646,7 +3646,7 @@
         <p:txBody>
           <a:bodyPr/>
           <a:p>
-            <a:fld id="{941FE280-3C9F-4CD1-915B-2FAE86E6A5AD}" type="slidenum">
+            <a:fld id="{476EFC56-1EAB-44D0-AC7D-6BDD548CE0B7}" type="slidenum">
               <a:t>&lt;#&gt;</a:t>
             </a:fld>
           </a:p>
@@ -3834,7 +3834,7 @@
         <p:txBody>
           <a:bodyPr/>
           <a:p>
-            <a:fld id="{B18B9DED-1E63-4F74-BB5A-1FA490247C11}" type="slidenum">
+            <a:fld id="{42DF917E-D26D-47D0-B566-B4338776ADE2}" type="slidenum">
               <a:t>&lt;#&gt;</a:t>
             </a:fld>
           </a:p>
@@ -3954,7 +3954,7 @@
         <p:txBody>
           <a:bodyPr/>
           <a:p>
-            <a:fld id="{6CCE939A-5FE0-4E0B-9603-D89DF1822B78}" type="slidenum">
+            <a:fld id="{BF305ACA-9CA1-41C0-AC68-99BCC423A9FA}" type="slidenum">
               <a:t>&lt;#&gt;</a:t>
             </a:fld>
           </a:p>
@@ -4108,7 +4108,7 @@
         <p:txBody>
           <a:bodyPr/>
           <a:p>
-            <a:fld id="{A415A6FB-9073-4DEA-974F-3CDA4C5CC8EC}" type="slidenum">
+            <a:fld id="{57DC742C-F11A-481E-8321-63A71466C594}" type="slidenum">
               <a:t>&lt;#&gt;</a:t>
             </a:fld>
           </a:p>
@@ -4228,7 +4228,7 @@
         <p:txBody>
           <a:bodyPr/>
           <a:p>
-            <a:fld id="{860B96EB-EDB1-414F-92FD-D00CF4B34B22}" type="slidenum">
+            <a:fld id="{107DB290-6E92-448E-990D-E57D35BE0A55}" type="slidenum">
               <a:t>&lt;#&gt;</a:t>
             </a:fld>
           </a:p>
@@ -4450,7 +4450,7 @@
         <p:txBody>
           <a:bodyPr/>
           <a:p>
-            <a:fld id="{E243FB95-7B65-40E0-9C6A-57C163DB43EE}" type="slidenum">
+            <a:fld id="{4AA81F84-723B-4030-BA80-B174A09754D7}" type="slidenum">
               <a:t>&lt;#&gt;</a:t>
             </a:fld>
           </a:p>
@@ -4672,7 +4672,7 @@
         <p:txBody>
           <a:bodyPr/>
           <a:p>
-            <a:fld id="{EBD14E7D-7EAA-4988-8556-6C0B2BCF888E}" type="slidenum">
+            <a:fld id="{18679EBD-2A70-411B-A3B1-0D6D38D2DC98}" type="slidenum">
               <a:t>&lt;#&gt;</a:t>
             </a:fld>
           </a:p>
@@ -4894,7 +4894,7 @@
         <p:txBody>
           <a:bodyPr/>
           <a:p>
-            <a:fld id="{5BFB0D34-480A-4DD5-A148-9516B3EC6A84}" type="slidenum">
+            <a:fld id="{69E4555B-A972-4BE5-8AB0-8A361ACEF63C}" type="slidenum">
               <a:t>&lt;#&gt;</a:t>
             </a:fld>
           </a:p>
@@ -5082,7 +5082,7 @@
         <p:txBody>
           <a:bodyPr/>
           <a:p>
-            <a:fld id="{E4E6A01C-78B7-48A0-905B-85685BD10475}" type="slidenum">
+            <a:fld id="{5BB9CFE4-7951-4870-9F26-4CAEA9C7F06E}" type="slidenum">
               <a:t>&lt;#&gt;</a:t>
             </a:fld>
           </a:p>
@@ -5338,7 +5338,7 @@
         <p:txBody>
           <a:bodyPr/>
           <a:p>
-            <a:fld id="{B9EBFA54-A44F-407B-849D-F278FF28405C}" type="slidenum">
+            <a:fld id="{E5C11D1A-C0E4-4235-A2B3-4838B9C7695B}" type="slidenum">
               <a:t>&lt;#&gt;</a:t>
             </a:fld>
           </a:p>
@@ -5662,7 +5662,7 @@
         <p:txBody>
           <a:bodyPr/>
           <a:p>
-            <a:fld id="{AAE08582-3AC5-46ED-903F-36187522585E}" type="slidenum">
+            <a:fld id="{98433419-F7EA-4EB9-AA4B-F0E6660F7989}" type="slidenum">
               <a:t>&lt;#&gt;</a:t>
             </a:fld>
           </a:p>
@@ -5850,7 +5850,7 @@
         <p:txBody>
           <a:bodyPr/>
           <a:p>
-            <a:fld id="{7093CD7F-9378-44DB-9BD6-6ACBA3C864E2}" type="slidenum">
+            <a:fld id="{8E8ABFFA-0A22-4BE1-80E0-9CF12C408661}" type="slidenum">
               <a:t>&lt;#&gt;</a:t>
             </a:fld>
           </a:p>
@@ -5970,7 +5970,7 @@
         <p:txBody>
           <a:bodyPr/>
           <a:p>
-            <a:fld id="{6FE8282B-8E91-4F9F-9721-08DE8CECE16D}" type="slidenum">
+            <a:fld id="{5D1174DF-AFCF-45FE-949E-03C42C303576}" type="slidenum">
               <a:t>&lt;#&gt;</a:t>
             </a:fld>
           </a:p>
@@ -6090,7 +6090,7 @@
         <p:txBody>
           <a:bodyPr/>
           <a:p>
-            <a:fld id="{5AD975CC-49C4-478B-94B7-A3332660ED35}" type="slidenum">
+            <a:fld id="{00CFBE35-10DA-4295-BB83-CE4307D62913}" type="slidenum">
               <a:t>&lt;#&gt;</a:t>
             </a:fld>
           </a:p>
@@ -6312,7 +6312,7 @@
         <p:txBody>
           <a:bodyPr/>
           <a:p>
-            <a:fld id="{F66F1BC3-DDD1-4193-9455-B92B3230BD9A}" type="slidenum">
+            <a:fld id="{4A4D4D64-3246-484D-AA2D-56C39DA64C88}" type="slidenum">
               <a:t>&lt;#&gt;</a:t>
             </a:fld>
           </a:p>
@@ -6534,7 +6534,7 @@
         <p:txBody>
           <a:bodyPr/>
           <a:p>
-            <a:fld id="{2405C0E9-E973-49AA-A733-1B93E25F67C3}" type="slidenum">
+            <a:fld id="{57D18647-29CC-4A66-9727-E466CE3D3B31}" type="slidenum">
               <a:t>&lt;#&gt;</a:t>
             </a:fld>
           </a:p>
@@ -6756,7 +6756,7 @@
         <p:txBody>
           <a:bodyPr/>
           <a:p>
-            <a:fld id="{62DCE29E-A219-4FB3-A756-AE5855219471}" type="slidenum">
+            <a:fld id="{64ECDFC0-5E71-4057-8E9A-043F55CC2376}" type="slidenum">
               <a:t>&lt;#&gt;</a:t>
             </a:fld>
           </a:p>
@@ -6820,8 +6820,8 @@
         </p:nvSpPr>
         <p:spPr>
           <a:xfrm rot="10800000">
-            <a:off x="4572720" y="-4680"/>
-            <a:ext cx="4571280" cy="3433680"/>
+            <a:off x="4573080" y="-4320"/>
+            <a:ext cx="4570920" cy="3433320"/>
           </a:xfrm>
           <a:prstGeom prst="corner">
             <a:avLst>
@@ -6852,7 +6852,7 @@
         <p:spPr>
           <a:xfrm>
             <a:off x="0" y="3426120"/>
-            <a:ext cx="4647600" cy="3433680"/>
+            <a:ext cx="4647240" cy="3433320"/>
           </a:xfrm>
           <a:prstGeom prst="corner">
             <a:avLst>
@@ -6882,8 +6882,8 @@
         </p:nvSpPr>
         <p:spPr>
           <a:xfrm flipH="1" rot="10800000">
-            <a:off x="0" y="-7560"/>
-            <a:ext cx="4571280" cy="3433680"/>
+            <a:off x="-360" y="-7200"/>
+            <a:ext cx="4570920" cy="3433320"/>
           </a:xfrm>
           <a:prstGeom prst="corner">
             <a:avLst>
@@ -6913,8 +6913,8 @@
         </p:nvSpPr>
         <p:spPr>
           <a:xfrm flipH="1">
-            <a:off x="4571280" y="3426120"/>
-            <a:ext cx="4571280" cy="3433680"/>
+            <a:off x="4570560" y="3426120"/>
+            <a:ext cx="4570920" cy="3433320"/>
           </a:xfrm>
           <a:prstGeom prst="corner">
             <a:avLst>
@@ -6949,7 +6949,7 @@
         <p:spPr>
           <a:xfrm>
             <a:off x="6156360" y="412560"/>
-            <a:ext cx="1172160" cy="1439640"/>
+            <a:ext cx="1171800" cy="1439280"/>
           </a:xfrm>
           <a:prstGeom prst="rect">
             <a:avLst/>
@@ -6972,7 +6972,7 @@
         <p:spPr>
           <a:xfrm>
             <a:off x="3827160" y="427320"/>
-            <a:ext cx="1488960" cy="1439280"/>
+            <a:ext cx="1488600" cy="1438920"/>
           </a:xfrm>
           <a:prstGeom prst="rect">
             <a:avLst/>
@@ -6995,7 +6995,7 @@
         <p:spPr>
           <a:xfrm>
             <a:off x="1981080" y="427320"/>
-            <a:ext cx="1005840" cy="1439280"/>
+            <a:ext cx="1005480" cy="1438920"/>
           </a:xfrm>
           <a:prstGeom prst="rect">
             <a:avLst/>
@@ -7018,7 +7018,7 @@
         <p:spPr>
           <a:xfrm>
             <a:off x="3076560" y="6206400"/>
-            <a:ext cx="2925360" cy="3977280"/>
+            <a:ext cx="2925000" cy="3976920"/>
           </a:xfrm>
           <a:prstGeom prst="rect">
             <a:avLst/>
@@ -7075,7 +7075,7 @@
         <p:spPr>
           <a:xfrm>
             <a:off x="6554160" y="6179400"/>
-            <a:ext cx="2102400" cy="354600"/>
+            <a:ext cx="2102040" cy="354240"/>
           </a:xfrm>
           <a:prstGeom prst="rect">
             <a:avLst/>
@@ -7107,7 +7107,7 @@
               </a:lnSpc>
               <a:buNone/>
             </a:pPr>
-            <a:fld id="{7BEAD8A7-6F65-4ED3-9B1B-6F89C9245B9E}" type="slidenum">
+            <a:fld id="{63CF7921-BA3B-46B3-B62B-00DB8AAD61C5}" type="slidenum">
               <a:rPr b="0" lang="zxx" sz="2400" spc="-1" strike="noStrike">
                 <a:latin typeface="Times New Roman"/>
               </a:rPr>
@@ -7132,7 +7132,7 @@
         <p:spPr>
           <a:xfrm>
             <a:off x="486720" y="6206400"/>
-            <a:ext cx="2102400" cy="3977280"/>
+            <a:ext cx="2102040" cy="3976920"/>
           </a:xfrm>
           <a:prstGeom prst="rect">
             <a:avLst/>
@@ -7444,8 +7444,8 @@
         </p:nvSpPr>
         <p:spPr>
           <a:xfrm rot="10800000">
-            <a:off x="4572720" y="-4680"/>
-            <a:ext cx="4571280" cy="3433680"/>
+            <a:off x="4573080" y="-4320"/>
+            <a:ext cx="4570920" cy="3433320"/>
           </a:xfrm>
           <a:prstGeom prst="corner">
             <a:avLst>
@@ -7476,7 +7476,7 @@
         <p:spPr>
           <a:xfrm>
             <a:off x="0" y="3426120"/>
-            <a:ext cx="4647600" cy="3433680"/>
+            <a:ext cx="4647240" cy="3433320"/>
           </a:xfrm>
           <a:prstGeom prst="corner">
             <a:avLst>
@@ -7506,8 +7506,8 @@
         </p:nvSpPr>
         <p:spPr>
           <a:xfrm flipH="1" rot="10800000">
-            <a:off x="0" y="-7560"/>
-            <a:ext cx="4571280" cy="3433680"/>
+            <a:off x="-360" y="-7200"/>
+            <a:ext cx="4570920" cy="3433320"/>
           </a:xfrm>
           <a:prstGeom prst="corner">
             <a:avLst>
@@ -7537,8 +7537,8 @@
         </p:nvSpPr>
         <p:spPr>
           <a:xfrm flipH="1">
-            <a:off x="4571280" y="3426120"/>
-            <a:ext cx="4571280" cy="3433680"/>
+            <a:off x="4570560" y="3426120"/>
+            <a:ext cx="4570920" cy="3433320"/>
           </a:xfrm>
           <a:prstGeom prst="corner">
             <a:avLst>
@@ -7573,7 +7573,7 @@
         <p:spPr>
           <a:xfrm>
             <a:off x="3076560" y="6206400"/>
-            <a:ext cx="2925360" cy="3977280"/>
+            <a:ext cx="2925000" cy="3976920"/>
           </a:xfrm>
           <a:prstGeom prst="rect">
             <a:avLst/>
@@ -7630,7 +7630,7 @@
         <p:spPr>
           <a:xfrm>
             <a:off x="6471000" y="6206400"/>
-            <a:ext cx="2102400" cy="342360"/>
+            <a:ext cx="2102040" cy="342000"/>
           </a:xfrm>
           <a:prstGeom prst="rect">
             <a:avLst/>
@@ -7662,7 +7662,7 @@
               </a:lnSpc>
               <a:buNone/>
             </a:pPr>
-            <a:fld id="{5E0075A6-7E6E-4984-91FB-6AF82A8A786F}" type="slidenum">
+            <a:fld id="{FDCBABAF-53D9-4776-9AA6-140380B49CA4}" type="slidenum">
               <a:rPr b="0" lang="zxx" sz="2400" spc="-1" strike="noStrike">
                 <a:latin typeface="Times New Roman"/>
               </a:rPr>
@@ -7687,7 +7687,7 @@
         <p:spPr>
           <a:xfrm>
             <a:off x="486720" y="6206400"/>
-            <a:ext cx="2102400" cy="3977280"/>
+            <a:ext cx="2102040" cy="3976920"/>
           </a:xfrm>
           <a:prstGeom prst="rect">
             <a:avLst/>
@@ -7999,8 +7999,8 @@
         </p:nvSpPr>
         <p:spPr>
           <a:xfrm rot="10800000">
-            <a:off x="4572720" y="-4680"/>
-            <a:ext cx="4571280" cy="3433680"/>
+            <a:off x="4573080" y="-4320"/>
+            <a:ext cx="4570920" cy="3433320"/>
           </a:xfrm>
           <a:prstGeom prst="corner">
             <a:avLst>
@@ -8031,7 +8031,7 @@
         <p:spPr>
           <a:xfrm>
             <a:off x="0" y="3426120"/>
-            <a:ext cx="4647600" cy="3433680"/>
+            <a:ext cx="4647240" cy="3433320"/>
           </a:xfrm>
           <a:prstGeom prst="corner">
             <a:avLst>
@@ -8061,8 +8061,8 @@
         </p:nvSpPr>
         <p:spPr>
           <a:xfrm flipH="1" rot="10800000">
-            <a:off x="0" y="-7560"/>
-            <a:ext cx="4571280" cy="3433680"/>
+            <a:off x="-360" y="-7200"/>
+            <a:ext cx="4570920" cy="3433320"/>
           </a:xfrm>
           <a:prstGeom prst="corner">
             <a:avLst>
@@ -8092,8 +8092,8 @@
         </p:nvSpPr>
         <p:spPr>
           <a:xfrm flipH="1">
-            <a:off x="4571280" y="3426120"/>
-            <a:ext cx="4571280" cy="3433680"/>
+            <a:off x="4570560" y="3426120"/>
+            <a:ext cx="4570920" cy="3433320"/>
           </a:xfrm>
           <a:prstGeom prst="corner">
             <a:avLst>
@@ -8128,7 +8128,7 @@
         <p:spPr>
           <a:xfrm>
             <a:off x="3076560" y="6206400"/>
-            <a:ext cx="2925360" cy="3977280"/>
+            <a:ext cx="2925000" cy="3976920"/>
           </a:xfrm>
           <a:prstGeom prst="rect">
             <a:avLst/>
@@ -8185,7 +8185,7 @@
         <p:spPr>
           <a:xfrm>
             <a:off x="6471000" y="6206400"/>
-            <a:ext cx="2102400" cy="342360"/>
+            <a:ext cx="2102040" cy="342000"/>
           </a:xfrm>
           <a:prstGeom prst="rect">
             <a:avLst/>
@@ -8217,7 +8217,7 @@
               </a:lnSpc>
               <a:buNone/>
             </a:pPr>
-            <a:fld id="{498CAEB5-613A-407D-AF21-DE47B9C6DF27}" type="slidenum">
+            <a:fld id="{E4040477-3A07-449A-9C4D-36F0D1AE0A94}" type="slidenum">
               <a:rPr b="0" lang="zxx" sz="2400" spc="-1" strike="noStrike">
                 <a:latin typeface="Times New Roman"/>
               </a:rPr>
@@ -8242,7 +8242,7 @@
         <p:spPr>
           <a:xfrm>
             <a:off x="486720" y="6206400"/>
-            <a:ext cx="2102400" cy="3977280"/>
+            <a:ext cx="2102040" cy="3976920"/>
           </a:xfrm>
           <a:prstGeom prst="rect">
             <a:avLst/>
@@ -8548,7 +8548,7 @@
         <p:spPr>
           <a:xfrm>
             <a:off x="1955880" y="2017440"/>
-            <a:ext cx="4971960" cy="561600"/>
+            <a:ext cx="4971600" cy="561600"/>
           </a:xfrm>
           <a:prstGeom prst="rect">
             <a:avLst/>
@@ -8630,7 +8630,7 @@
         <p:spPr>
           <a:xfrm>
             <a:off x="2597400" y="2802960"/>
-            <a:ext cx="3702240" cy="256320"/>
+            <a:ext cx="3701880" cy="256320"/>
           </a:xfrm>
           <a:prstGeom prst="rect">
             <a:avLst/>
@@ -8685,7 +8685,7 @@
         <p:spPr>
           <a:xfrm>
             <a:off x="1697400" y="3240000"/>
-            <a:ext cx="5502240" cy="1109520"/>
+            <a:ext cx="5501880" cy="1109520"/>
           </a:xfrm>
           <a:prstGeom prst="rect">
             <a:avLst/>
@@ -8737,7 +8737,7 @@
         <p:spPr>
           <a:xfrm>
             <a:off x="816840" y="4667400"/>
-            <a:ext cx="7412400" cy="743040"/>
+            <a:ext cx="7412040" cy="743040"/>
           </a:xfrm>
           <a:prstGeom prst="rect">
             <a:avLst/>
@@ -8809,7 +8809,7 @@
                 <a:latin typeface="Times New Roman"/>
                 <a:ea typeface="Times New Roman"/>
               </a:rPr>
-              <a:t>ORIENTADOR: </a:t>
+              <a:t>ORIENTADORA: </a:t>
             </a:r>
             <a:r>
               <a:rPr b="0" lang="pt-BR" sz="1600" spc="-1" strike="noStrike">
@@ -8819,7 +8819,7 @@
                 <a:latin typeface="Times New Roman"/>
                 <a:ea typeface="Times New Roman"/>
               </a:rPr>
-              <a:t>Rodrigo Bernardo da Silva</a:t>
+              <a:t>Tarciana Liberal Pereira de Araujo</a:t>
             </a:r>
             <a:endParaRPr b="0" lang="zxx" sz="1600" spc="-1" strike="noStrike">
               <a:latin typeface="Arial"/>
@@ -8874,7 +8874,7 @@
         <p:spPr>
           <a:xfrm>
             <a:off x="3076560" y="6206400"/>
-            <a:ext cx="2925360" cy="3977280"/>
+            <a:ext cx="2925000" cy="3976920"/>
           </a:xfrm>
           <a:prstGeom prst="rect">
             <a:avLst/>
@@ -8975,7 +8975,7 @@
         <p:spPr>
           <a:xfrm>
             <a:off x="591840" y="533520"/>
-            <a:ext cx="7894800" cy="731520"/>
+            <a:ext cx="7894440" cy="731160"/>
           </a:xfrm>
           <a:prstGeom prst="rect">
             <a:avLst/>
@@ -9028,7 +9028,7 @@
         <p:spPr>
           <a:xfrm>
             <a:off x="3076560" y="6206400"/>
-            <a:ext cx="2925360" cy="3977280"/>
+            <a:ext cx="2925000" cy="3976920"/>
           </a:xfrm>
           <a:prstGeom prst="rect">
             <a:avLst/>
@@ -9095,7 +9095,7 @@
         <p:spPr>
           <a:xfrm>
             <a:off x="644760" y="1855800"/>
-            <a:ext cx="1874880" cy="483840"/>
+            <a:ext cx="1874520" cy="483480"/>
           </a:xfrm>
           <a:prstGeom prst="rect">
             <a:avLst/>
@@ -9147,7 +9147,7 @@
         <p:spPr>
           <a:xfrm>
             <a:off x="680400" y="2520000"/>
-            <a:ext cx="7779240" cy="3125520"/>
+            <a:ext cx="7778880" cy="3125160"/>
           </a:xfrm>
           <a:prstGeom prst="rect">
             <a:avLst/>
@@ -9176,7 +9176,11 @@
             </a:pPr>
             <a:r>
               <a:rPr b="0" lang="zxx" sz="1800" spc="-1" strike="noStrike">
+                <a:solidFill>
+                  <a:srgbClr val="000000"/>
+                </a:solidFill>
                 <a:latin typeface="Times New Roman"/>
+                <a:ea typeface="DejaVu Sans"/>
               </a:rPr>
               <a:t>A disciplina de Probabilidade II, uma das mais importantes no curso de Estatística e segunda com maior índice de reprovação histórico, é de extrema importância para a formação do profissional dos discentes e uma boa performance na mesma está relacionado com o melhor aproveitamento em disciplinas cursadas no decorrer do curso.</a:t>
             </a:r>
@@ -9204,7 +9208,11 @@
             </a:pPr>
             <a:r>
               <a:rPr b="0" lang="zxx" sz="1800" spc="-1" strike="noStrike">
+                <a:solidFill>
+                  <a:srgbClr val="000000"/>
+                </a:solidFill>
                 <a:latin typeface="Times New Roman"/>
+                <a:ea typeface="DejaVu Sans"/>
               </a:rPr>
               <a:t>O projeto de monitoria busca aumentar esta performance, de modo que os estudantes tenham uma melhor experiência no curso.  </a:t>
             </a:r>
@@ -9257,7 +9265,7 @@
         <p:spPr>
           <a:xfrm>
             <a:off x="591840" y="533520"/>
-            <a:ext cx="7894800" cy="731520"/>
+            <a:ext cx="7894440" cy="731160"/>
           </a:xfrm>
           <a:prstGeom prst="rect">
             <a:avLst/>
@@ -9310,7 +9318,7 @@
         <p:spPr>
           <a:xfrm>
             <a:off x="3076560" y="6206400"/>
-            <a:ext cx="2925360" cy="3977280"/>
+            <a:ext cx="2925000" cy="3976920"/>
           </a:xfrm>
           <a:prstGeom prst="rect">
             <a:avLst/>
@@ -9377,7 +9385,7 @@
         <p:spPr>
           <a:xfrm>
             <a:off x="644760" y="1855800"/>
-            <a:ext cx="7274880" cy="483840"/>
+            <a:ext cx="7274520" cy="483480"/>
           </a:xfrm>
           <a:prstGeom prst="rect">
             <a:avLst/>
@@ -9429,7 +9437,7 @@
         <p:spPr>
           <a:xfrm>
             <a:off x="680400" y="2520000"/>
-            <a:ext cx="7779240" cy="2746080"/>
+            <a:ext cx="7778880" cy="2745720"/>
           </a:xfrm>
           <a:prstGeom prst="rect">
             <a:avLst/>
@@ -9458,7 +9466,11 @@
             </a:pPr>
             <a:r>
               <a:rPr b="0" lang="zxx" sz="1800" spc="-1" strike="noStrike">
+                <a:solidFill>
+                  <a:srgbClr val="000000"/>
+                </a:solidFill>
                 <a:latin typeface="Times New Roman"/>
+                <a:ea typeface="DejaVu Sans"/>
               </a:rPr>
               <a:t>Foi proporcionado aos alunos, 2 vezes semana, aulas presenciais na sala de monitoria e também atendimento via WhatsApp, nestas sessões foram esclarecida dúvidas dos discentes acerca do conteúdo, explicado tópicos em Probabilidade e a realização de exercícios propostos.</a:t>
             </a:r>
@@ -9486,7 +9498,11 @@
             </a:pPr>
             <a:r>
               <a:rPr b="0" lang="zxx" sz="1800" spc="-1" strike="noStrike">
+                <a:solidFill>
+                  <a:srgbClr val="000000"/>
+                </a:solidFill>
                 <a:latin typeface="Times New Roman"/>
+                <a:ea typeface="DejaVu Sans"/>
               </a:rPr>
               <a:t>Além da satisfação dos alunos com as atividades da monitoria, obtivemos bons resultados mensuráveis como vistos a seguir</a:t>
             </a:r>
@@ -9539,7 +9555,7 @@
         <p:spPr>
           <a:xfrm>
             <a:off x="591840" y="533520"/>
-            <a:ext cx="7894800" cy="731520"/>
+            <a:ext cx="7894440" cy="731160"/>
           </a:xfrm>
           <a:prstGeom prst="rect">
             <a:avLst/>
@@ -9592,7 +9608,7 @@
         <p:spPr>
           <a:xfrm>
             <a:off x="3076560" y="6206400"/>
-            <a:ext cx="2925360" cy="3977280"/>
+            <a:ext cx="2925000" cy="3976920"/>
           </a:xfrm>
           <a:prstGeom prst="rect">
             <a:avLst/>
@@ -9659,7 +9675,7 @@
         <p:spPr>
           <a:xfrm>
             <a:off x="680400" y="1440000"/>
-            <a:ext cx="7779240" cy="858240"/>
+            <a:ext cx="7778880" cy="857880"/>
           </a:xfrm>
           <a:prstGeom prst="rect">
             <a:avLst/>
@@ -9688,7 +9704,11 @@
             </a:pPr>
             <a:r>
               <a:rPr b="0" lang="zxx" sz="1800" spc="-1" strike="noStrike">
+                <a:solidFill>
+                  <a:srgbClr val="000000"/>
+                </a:solidFill>
                 <a:latin typeface="Times New Roman"/>
+                <a:ea typeface="DejaVu Sans"/>
               </a:rPr>
               <a:t>Houve um aumento na proporção de alunos aprovados comparado com a turma anterior onde não houve monitor:  </a:t>
             </a:r>
@@ -9711,7 +9731,7 @@
         <p:spPr>
           <a:xfrm>
             <a:off x="493200" y="2316600"/>
-            <a:ext cx="8146440" cy="3803040"/>
+            <a:ext cx="8146080" cy="3802680"/>
           </a:xfrm>
           <a:prstGeom prst="rect">
             <a:avLst/>
@@ -9764,7 +9784,7 @@
         <p:spPr>
           <a:xfrm>
             <a:off x="591840" y="533520"/>
-            <a:ext cx="7894800" cy="731520"/>
+            <a:ext cx="7894440" cy="731160"/>
           </a:xfrm>
           <a:prstGeom prst="rect">
             <a:avLst/>
@@ -9817,7 +9837,7 @@
         <p:spPr>
           <a:xfrm>
             <a:off x="3076560" y="6206400"/>
-            <a:ext cx="2925360" cy="3977280"/>
+            <a:ext cx="2925000" cy="3976920"/>
           </a:xfrm>
           <a:prstGeom prst="rect">
             <a:avLst/>
@@ -9884,7 +9904,7 @@
         <p:spPr>
           <a:xfrm>
             <a:off x="644760" y="1855800"/>
-            <a:ext cx="7274880" cy="483840"/>
+            <a:ext cx="7274520" cy="483480"/>
           </a:xfrm>
           <a:prstGeom prst="rect">
             <a:avLst/>
@@ -9936,7 +9956,7 @@
         <p:spPr>
           <a:xfrm>
             <a:off x="680400" y="2520000"/>
-            <a:ext cx="7779240" cy="858240"/>
+            <a:ext cx="7778880" cy="857880"/>
           </a:xfrm>
           <a:prstGeom prst="rect">
             <a:avLst/>
@@ -9965,7 +9985,11 @@
             </a:pPr>
             <a:r>
               <a:rPr b="0" lang="zxx" sz="1800" spc="-1" strike="noStrike">
+                <a:solidFill>
+                  <a:srgbClr val="000000"/>
+                </a:solidFill>
                 <a:latin typeface="Times New Roman"/>
+                <a:ea typeface="DejaVu Sans"/>
               </a:rPr>
               <a:t>O projeto de monitoria de fato contribuiu para a melhora da qualidade de ensino da discipina, isso refletiu diretamente nas notas dos alunos que engajaram nas atividades, onde puderam elevar seu desempenho acadêmico.</a:t>
             </a:r>
@@ -9993,7 +10017,11 @@
             </a:pPr>
             <a:r>
               <a:rPr b="0" lang="zxx" sz="1800" spc="-1" strike="noStrike">
+                <a:solidFill>
+                  <a:srgbClr val="000000"/>
+                </a:solidFill>
                 <a:latin typeface="Times New Roman"/>
+                <a:ea typeface="DejaVu Sans"/>
               </a:rPr>
               <a:t>Estes alunos já estão bem preparados para as próximas disciplinas do curso que requerem uma base de conhecimentos em Probabilidade e esperamos o melhor em suas formações.</a:t>
             </a:r>
@@ -10046,7 +10074,7 @@
         <p:spPr>
           <a:xfrm>
             <a:off x="591840" y="533520"/>
-            <a:ext cx="7894800" cy="731520"/>
+            <a:ext cx="7894440" cy="731160"/>
           </a:xfrm>
           <a:prstGeom prst="rect">
             <a:avLst/>
@@ -10099,7 +10127,7 @@
         <p:spPr>
           <a:xfrm>
             <a:off x="3076560" y="6206400"/>
-            <a:ext cx="2925360" cy="3977280"/>
+            <a:ext cx="2925000" cy="3976920"/>
           </a:xfrm>
           <a:prstGeom prst="rect">
             <a:avLst/>
@@ -10166,7 +10194,7 @@
         <p:spPr>
           <a:xfrm>
             <a:off x="644760" y="1855800"/>
-            <a:ext cx="7274880" cy="483840"/>
+            <a:ext cx="7274520" cy="483480"/>
           </a:xfrm>
           <a:prstGeom prst="rect">
             <a:avLst/>
@@ -10218,7 +10246,7 @@
         <p:spPr>
           <a:xfrm>
             <a:off x="680400" y="2520000"/>
-            <a:ext cx="7779240" cy="3239640"/>
+            <a:ext cx="7778880" cy="3239280"/>
           </a:xfrm>
           <a:prstGeom prst="rect">
             <a:avLst/>
@@ -10247,7 +10275,11 @@
             </a:pPr>
             <a:r>
               <a:rPr b="0" lang="zxx" sz="1800" spc="-1" strike="noStrike">
+                <a:solidFill>
+                  <a:srgbClr val="000000"/>
+                </a:solidFill>
                 <a:latin typeface="Times New Roman"/>
+                <a:ea typeface="DejaVu Sans"/>
               </a:rPr>
               <a:t>JAMES, B.R. Probabilidade: Um curso em nível intermediário. Projeto Euclides. Editora IMPA. Rio de Janeiro. 2013.</a:t>
             </a:r>
@@ -10275,19 +10307,31 @@
             </a:pPr>
             <a:r>
               <a:rPr b="0" lang="zxx" sz="1800" spc="-1" strike="noStrike">
+                <a:solidFill>
+                  <a:srgbClr val="000000"/>
+                </a:solidFill>
                 <a:latin typeface="Times New Roman"/>
+                <a:ea typeface="DejaVu Sans"/>
               </a:rPr>
               <a:t>Magalhães, M.N. Probabilidade e Variáveis Aleatórias. Editora Edusp, 3</a:t>
             </a:r>
             <a:r>
               <a:rPr b="0" lang="zxx" sz="1800" spc="-1" strike="noStrike" baseline="33000">
+                <a:solidFill>
+                  <a:srgbClr val="000000"/>
+                </a:solidFill>
                 <a:latin typeface="Times New Roman"/>
+                <a:ea typeface="DejaVu Sans"/>
               </a:rPr>
               <a:t>a</a:t>
             </a:r>
             <a:r>
               <a:rPr b="0" lang="zxx" sz="1800" spc="-1" strike="noStrike">
+                <a:solidFill>
+                  <a:srgbClr val="000000"/>
+                </a:solidFill>
                 <a:latin typeface="Times New Roman"/>
+                <a:ea typeface="DejaVu Sans"/>
               </a:rPr>
               <a:t>. edição. São Paulo. 2015.</a:t>
             </a:r>
@@ -10315,7 +10359,11 @@
             </a:pPr>
             <a:r>
               <a:rPr b="0" lang="zxx" sz="1800" spc="-1" strike="noStrike">
+                <a:solidFill>
+                  <a:srgbClr val="000000"/>
+                </a:solidFill>
                 <a:latin typeface="Times New Roman"/>
+                <a:ea typeface="DejaVu Sans"/>
               </a:rPr>
               <a:t>NASSER, L.; DE SOUSA, G. A.; TORRACA, M. A. A. Desempenho em cálculo: investigando a transição do ensino médio para o superior. Boletim GEPEM. Editora Cubo, 2017. Disponível em: &lt;http://dx.doi.org/10.4322/gepem.2017.020&gt;. Acesso em: 3 set. 2023. </a:t>
             </a:r>
@@ -10368,7 +10416,7 @@
         <p:spPr>
           <a:xfrm>
             <a:off x="720000" y="2762280"/>
-            <a:ext cx="7559640" cy="3177360"/>
+            <a:ext cx="7559280" cy="3177000"/>
           </a:xfrm>
           <a:prstGeom prst="rect">
             <a:avLst/>
@@ -10432,7 +10480,7 @@
         <p:spPr>
           <a:xfrm>
             <a:off x="3076560" y="6206400"/>
-            <a:ext cx="2925360" cy="3977280"/>
+            <a:ext cx="2925000" cy="3976920"/>
           </a:xfrm>
           <a:prstGeom prst="rect">
             <a:avLst/>
@@ -10499,7 +10547,7 @@
         <p:spPr>
           <a:xfrm>
             <a:off x="644760" y="1980000"/>
-            <a:ext cx="7274880" cy="483840"/>
+            <a:ext cx="7274520" cy="483480"/>
           </a:xfrm>
           <a:prstGeom prst="rect">
             <a:avLst/>
